--- a/Plans/新規 Microsoft PowerPoint プレゼンテーション.pptx
+++ b/Plans/新規 Microsoft PowerPoint プレゼンテーション.pptx
@@ -261,7 +261,7 @@
           <a:p>
             <a:fld id="{131719C5-9EBF-4349-B159-C9424D1D0723}" type="datetimeFigureOut">
               <a:rPr kumimoji="1" lang="ja-JP" altLang="en-US" smtClean="0"/>
-              <a:t>2025/9/30</a:t>
+              <a:t>2025/10/7</a:t>
             </a:fld>
             <a:endParaRPr kumimoji="1" lang="ja-JP" altLang="en-US"/>
           </a:p>
@@ -491,7 +491,7 @@
           <a:p>
             <a:fld id="{131719C5-9EBF-4349-B159-C9424D1D0723}" type="datetimeFigureOut">
               <a:rPr kumimoji="1" lang="ja-JP" altLang="en-US" smtClean="0"/>
-              <a:t>2025/9/30</a:t>
+              <a:t>2025/10/7</a:t>
             </a:fld>
             <a:endParaRPr kumimoji="1" lang="ja-JP" altLang="en-US"/>
           </a:p>
@@ -731,7 +731,7 @@
           <a:p>
             <a:fld id="{131719C5-9EBF-4349-B159-C9424D1D0723}" type="datetimeFigureOut">
               <a:rPr kumimoji="1" lang="ja-JP" altLang="en-US" smtClean="0"/>
-              <a:t>2025/9/30</a:t>
+              <a:t>2025/10/7</a:t>
             </a:fld>
             <a:endParaRPr kumimoji="1" lang="ja-JP" altLang="en-US"/>
           </a:p>
@@ -961,7 +961,7 @@
           <a:p>
             <a:fld id="{131719C5-9EBF-4349-B159-C9424D1D0723}" type="datetimeFigureOut">
               <a:rPr kumimoji="1" lang="ja-JP" altLang="en-US" smtClean="0"/>
-              <a:t>2025/9/30</a:t>
+              <a:t>2025/10/7</a:t>
             </a:fld>
             <a:endParaRPr kumimoji="1" lang="ja-JP" altLang="en-US"/>
           </a:p>
@@ -1236,7 +1236,7 @@
           <a:p>
             <a:fld id="{131719C5-9EBF-4349-B159-C9424D1D0723}" type="datetimeFigureOut">
               <a:rPr kumimoji="1" lang="ja-JP" altLang="en-US" smtClean="0"/>
-              <a:t>2025/9/30</a:t>
+              <a:t>2025/10/7</a:t>
             </a:fld>
             <a:endParaRPr kumimoji="1" lang="ja-JP" altLang="en-US"/>
           </a:p>
@@ -1565,7 +1565,7 @@
           <a:p>
             <a:fld id="{131719C5-9EBF-4349-B159-C9424D1D0723}" type="datetimeFigureOut">
               <a:rPr kumimoji="1" lang="ja-JP" altLang="en-US" smtClean="0"/>
-              <a:t>2025/9/30</a:t>
+              <a:t>2025/10/7</a:t>
             </a:fld>
             <a:endParaRPr kumimoji="1" lang="ja-JP" altLang="en-US"/>
           </a:p>
@@ -2041,7 +2041,7 @@
           <a:p>
             <a:fld id="{131719C5-9EBF-4349-B159-C9424D1D0723}" type="datetimeFigureOut">
               <a:rPr kumimoji="1" lang="ja-JP" altLang="en-US" smtClean="0"/>
-              <a:t>2025/9/30</a:t>
+              <a:t>2025/10/7</a:t>
             </a:fld>
             <a:endParaRPr kumimoji="1" lang="ja-JP" altLang="en-US"/>
           </a:p>
@@ -2182,7 +2182,7 @@
           <a:p>
             <a:fld id="{131719C5-9EBF-4349-B159-C9424D1D0723}" type="datetimeFigureOut">
               <a:rPr kumimoji="1" lang="ja-JP" altLang="en-US" smtClean="0"/>
-              <a:t>2025/9/30</a:t>
+              <a:t>2025/10/7</a:t>
             </a:fld>
             <a:endParaRPr kumimoji="1" lang="ja-JP" altLang="en-US"/>
           </a:p>
@@ -2295,7 +2295,7 @@
           <a:p>
             <a:fld id="{131719C5-9EBF-4349-B159-C9424D1D0723}" type="datetimeFigureOut">
               <a:rPr kumimoji="1" lang="ja-JP" altLang="en-US" smtClean="0"/>
-              <a:t>2025/9/30</a:t>
+              <a:t>2025/10/7</a:t>
             </a:fld>
             <a:endParaRPr kumimoji="1" lang="ja-JP" altLang="en-US"/>
           </a:p>
@@ -2638,7 +2638,7 @@
           <a:p>
             <a:fld id="{131719C5-9EBF-4349-B159-C9424D1D0723}" type="datetimeFigureOut">
               <a:rPr kumimoji="1" lang="ja-JP" altLang="en-US" smtClean="0"/>
-              <a:t>2025/9/30</a:t>
+              <a:t>2025/10/7</a:t>
             </a:fld>
             <a:endParaRPr kumimoji="1" lang="ja-JP" altLang="en-US"/>
           </a:p>
@@ -2926,7 +2926,7 @@
           <a:p>
             <a:fld id="{131719C5-9EBF-4349-B159-C9424D1D0723}" type="datetimeFigureOut">
               <a:rPr kumimoji="1" lang="ja-JP" altLang="en-US" smtClean="0"/>
-              <a:t>2025/9/30</a:t>
+              <a:t>2025/10/7</a:t>
             </a:fld>
             <a:endParaRPr kumimoji="1" lang="ja-JP" altLang="en-US"/>
           </a:p>
@@ -3199,7 +3199,7 @@
           <a:p>
             <a:fld id="{131719C5-9EBF-4349-B159-C9424D1D0723}" type="datetimeFigureOut">
               <a:rPr kumimoji="1" lang="ja-JP" altLang="en-US" smtClean="0"/>
-              <a:t>2025/9/30</a:t>
+              <a:t>2025/10/7</a:t>
             </a:fld>
             <a:endParaRPr kumimoji="1" lang="ja-JP" altLang="en-US"/>
           </a:p>
@@ -3669,6 +3669,42 @@
           </a:p>
         </p:txBody>
       </p:sp>
+      <p:pic>
+        <p:nvPicPr>
+          <p:cNvPr id="5" name="図 4">
+            <a:extLst>
+              <a:ext uri="{FF2B5EF4-FFF2-40B4-BE49-F238E27FC236}">
+                <a16:creationId xmlns:a16="http://schemas.microsoft.com/office/drawing/2014/main" id="{FDB5578E-1DF7-4B79-855A-17C1AE2FBC30}"/>
+              </a:ext>
+            </a:extLst>
+          </p:cNvPr>
+          <p:cNvPicPr>
+            <a:picLocks noChangeAspect="1"/>
+          </p:cNvPicPr>
+          <p:nvPr/>
+        </p:nvPicPr>
+        <p:blipFill>
+          <a:blip r:embed="rId2">
+            <a:extLst>
+              <a:ext uri="{28A0092B-C50C-407E-A947-70E740481C1C}">
+                <a14:useLocalDpi xmlns:a14="http://schemas.microsoft.com/office/drawing/2010/main" val="0"/>
+              </a:ext>
+            </a:extLst>
+          </a:blip>
+          <a:stretch>
+            <a:fillRect/>
+          </a:stretch>
+        </p:blipFill>
+        <p:spPr>
+          <a:xfrm>
+            <a:off x="1282036" y="0"/>
+            <a:ext cx="9627927" cy="6498851"/>
+          </a:xfrm>
+          <a:prstGeom prst="rect">
+            <a:avLst/>
+          </a:prstGeom>
+        </p:spPr>
+      </p:pic>
     </p:spTree>
     <p:extLst>
       <p:ext uri="{BB962C8B-B14F-4D97-AF65-F5344CB8AC3E}">
@@ -3699,6 +3735,55 @@
           <a:chExt cx="0" cy="0"/>
         </a:xfrm>
       </p:grpSpPr>
+      <p:pic>
+        <p:nvPicPr>
+          <p:cNvPr id="7" name="図 6">
+            <a:extLst>
+              <a:ext uri="{FF2B5EF4-FFF2-40B4-BE49-F238E27FC236}">
+                <a16:creationId xmlns:a16="http://schemas.microsoft.com/office/drawing/2014/main" id="{362EF379-5657-477F-AF08-2E36916220E5}"/>
+              </a:ext>
+            </a:extLst>
+          </p:cNvPr>
+          <p:cNvPicPr>
+            <a:picLocks noChangeAspect="1"/>
+          </p:cNvPicPr>
+          <p:nvPr/>
+        </p:nvPicPr>
+        <p:blipFill>
+          <a:blip r:embed="rId2">
+            <a:extLst>
+              <a:ext uri="{28A0092B-C50C-407E-A947-70E740481C1C}">
+                <a14:useLocalDpi xmlns:a14="http://schemas.microsoft.com/office/drawing/2010/main" val="0"/>
+              </a:ext>
+            </a:extLst>
+          </a:blip>
+          <a:stretch>
+            <a:fillRect/>
+          </a:stretch>
+        </p:blipFill>
+        <p:spPr>
+          <a:xfrm>
+            <a:off x="1" y="0"/>
+            <a:ext cx="12191999" cy="6858000"/>
+          </a:xfrm>
+          <a:prstGeom prst="roundRect">
+            <a:avLst>
+              <a:gd name="adj" fmla="val 8594"/>
+            </a:avLst>
+          </a:prstGeom>
+          <a:solidFill>
+            <a:srgbClr val="FFFFFF">
+              <a:shade val="85000"/>
+            </a:srgbClr>
+          </a:solidFill>
+          <a:ln>
+            <a:noFill/>
+          </a:ln>
+          <a:effectLst>
+            <a:reflection blurRad="12700" stA="38000" endPos="28000" dist="5000" dir="5400000" sy="-100000" algn="bl" rotWithShape="0"/>
+          </a:effectLst>
+        </p:spPr>
+      </p:pic>
       <p:sp>
         <p:nvSpPr>
           <p:cNvPr id="2" name="タイトル 1">
@@ -3726,7 +3811,10 @@
           <a:lstStyle/>
           <a:p>
             <a:r>
-              <a:rPr kumimoji="1" lang="ja-JP" altLang="en-US" dirty="0"/>
+              <a:rPr kumimoji="1" lang="ja-JP" altLang="en-US" b="1" dirty="0">
+                <a:latin typeface="UD デジタル 教科書体 NP" panose="02020400000000000000" pitchFamily="18" charset="-128"/>
+                <a:ea typeface="UD デジタル 教科書体 NP" panose="02020400000000000000" pitchFamily="18" charset="-128"/>
+              </a:rPr>
               <a:t>メインターゲット</a:t>
             </a:r>
           </a:p>
@@ -3762,20 +3850,32 @@
               <a:buNone/>
             </a:pPr>
             <a:r>
-              <a:rPr kumimoji="1" lang="ja-JP" altLang="en-US" dirty="0"/>
+              <a:rPr kumimoji="1" lang="ja-JP" altLang="en-US" dirty="0">
+                <a:latin typeface="UD デジタル 教科書体 NP" panose="02020400000000000000" pitchFamily="18" charset="-128"/>
+                <a:ea typeface="UD デジタル 教科書体 NP" panose="02020400000000000000" pitchFamily="18" charset="-128"/>
+              </a:rPr>
               <a:t>全年齢対象</a:t>
             </a:r>
-            <a:endParaRPr kumimoji="1" lang="en-US" altLang="ja-JP" dirty="0"/>
+            <a:endParaRPr kumimoji="1" lang="en-US" altLang="ja-JP" dirty="0">
+              <a:latin typeface="UD デジタル 教科書体 NP" panose="02020400000000000000" pitchFamily="18" charset="-128"/>
+              <a:ea typeface="UD デジタル 教科書体 NP" panose="02020400000000000000" pitchFamily="18" charset="-128"/>
+            </a:endParaRPr>
           </a:p>
           <a:p>
             <a:pPr marL="0" indent="0">
               <a:buNone/>
             </a:pPr>
             <a:r>
-              <a:rPr lang="ja-JP" altLang="en-US" dirty="0"/>
+              <a:rPr lang="ja-JP" altLang="en-US" dirty="0">
+                <a:latin typeface="UD デジタル 教科書体 NP" panose="02020400000000000000" pitchFamily="18" charset="-128"/>
+                <a:ea typeface="UD デジタル 教科書体 NP" panose="02020400000000000000" pitchFamily="18" charset="-128"/>
+              </a:rPr>
               <a:t>多くに人に親しまれるゲーム性、雰囲気</a:t>
             </a:r>
-            <a:endParaRPr kumimoji="1" lang="ja-JP" altLang="en-US" dirty="0"/>
+            <a:endParaRPr kumimoji="1" lang="ja-JP" altLang="en-US" dirty="0">
+              <a:latin typeface="UD デジタル 教科書体 NP" panose="02020400000000000000" pitchFamily="18" charset="-128"/>
+              <a:ea typeface="UD デジタル 教科書体 NP" panose="02020400000000000000" pitchFamily="18" charset="-128"/>
+            </a:endParaRPr>
           </a:p>
         </p:txBody>
       </p:sp>
@@ -3808,7 +3908,10 @@
           <a:lstStyle/>
           <a:p>
             <a:r>
-              <a:rPr kumimoji="1" lang="ja-JP" altLang="en-US" sz="4400" dirty="0"/>
+              <a:rPr kumimoji="1" lang="ja-JP" altLang="en-US" sz="4400" b="1" dirty="0">
+                <a:latin typeface="UD デジタル 教科書体 NP" panose="02020400000000000000" pitchFamily="18" charset="-128"/>
+                <a:ea typeface="UD デジタル 教科書体 NP" panose="02020400000000000000" pitchFamily="18" charset="-128"/>
+              </a:rPr>
               <a:t>プラットフォーム</a:t>
             </a:r>
           </a:p>
@@ -3829,7 +3932,7 @@
         <p:spPr>
           <a:xfrm>
             <a:off x="0" y="3670372"/>
-            <a:ext cx="1204176" cy="523220"/>
+            <a:ext cx="1242648" cy="523220"/>
           </a:xfrm>
           <a:prstGeom prst="rect">
             <a:avLst/>
@@ -3843,10 +3946,16 @@
           <a:lstStyle/>
           <a:p>
             <a:r>
-              <a:rPr kumimoji="1" lang="en-US" altLang="ja-JP" sz="2800" dirty="0"/>
+              <a:rPr kumimoji="1" lang="en-US" altLang="ja-JP" sz="2800" dirty="0">
+                <a:latin typeface="UD デジタル 教科書体 NP" panose="02020400000000000000" pitchFamily="18" charset="-128"/>
+                <a:ea typeface="UD デジタル 教科書体 NP" panose="02020400000000000000" pitchFamily="18" charset="-128"/>
+              </a:rPr>
               <a:t>steam</a:t>
             </a:r>
-            <a:endParaRPr kumimoji="1" lang="ja-JP" altLang="en-US" sz="2800" dirty="0"/>
+            <a:endParaRPr kumimoji="1" lang="ja-JP" altLang="en-US" sz="2800" dirty="0">
+              <a:latin typeface="UD デジタル 教科書体 NP" panose="02020400000000000000" pitchFamily="18" charset="-128"/>
+              <a:ea typeface="UD デジタル 教科書体 NP" panose="02020400000000000000" pitchFamily="18" charset="-128"/>
+            </a:endParaRPr>
           </a:p>
         </p:txBody>
       </p:sp>
